--- a/materials/slides/ch12.pptx
+++ b/materials/slides/ch12.pptx
@@ -41,20 +41,20 @@
   <p:notesSz cx="6858000" cy="9144000"/>
   <p:embeddedFontLst>
     <p:embeddedFont>
-      <p:font typeface="微软雅黑" panose="020B0503020204020204" pitchFamily="34" charset="-122"/>
+      <p:font typeface="Calibri" panose="020F0502020204030204" pitchFamily="34" charset="0"/>
       <p:regular r:id="rId31"/>
       <p:bold r:id="rId32"/>
-    </p:embeddedFont>
-    <p:embeddedFont>
-      <p:font typeface="Calibri" panose="020F0502020204030204" pitchFamily="34" charset="0"/>
-      <p:regular r:id="rId33"/>
-      <p:bold r:id="rId34"/>
-      <p:italic r:id="rId35"/>
-      <p:boldItalic r:id="rId36"/>
+      <p:italic r:id="rId33"/>
+      <p:boldItalic r:id="rId34"/>
     </p:embeddedFont>
     <p:embeddedFont>
       <p:font typeface="黑体" panose="02010609060101010101" pitchFamily="49" charset="-122"/>
-      <p:regular r:id="rId37"/>
+      <p:regular r:id="rId35"/>
+    </p:embeddedFont>
+    <p:embeddedFont>
+      <p:font typeface="微软雅黑" panose="020B0503020204020204" pitchFamily="34" charset="-122"/>
+      <p:regular r:id="rId36"/>
+      <p:bold r:id="rId37"/>
     </p:embeddedFont>
   </p:embeddedFontLst>
   <p:defaultTextStyle>
@@ -201,10 +201,6 @@
 </p:presentation>
 </file>
 
-<file path=ppt/revisionInfo.xml><?xml version="1.0" encoding="utf-8"?>
-<p1510:revInfo xmlns:a="http://schemas.openxmlformats.org/drawingml/2006/main" xmlns:r="http://schemas.openxmlformats.org/officeDocument/2006/relationships" xmlns:p1510="http://schemas.microsoft.com/office/powerpoint/2015/10/main"/>
-</file>
-
 <file path=ppt/notesMasters/notesMaster1.xml><?xml version="1.0" encoding="utf-8"?>
 <p:notesMaster xmlns:a="http://schemas.openxmlformats.org/drawingml/2006/main" xmlns:r="http://schemas.openxmlformats.org/officeDocument/2006/relationships" xmlns:p="http://schemas.openxmlformats.org/presentationml/2006/main">
   <p:cSld>
@@ -300,7 +296,7 @@
               <a:pPr>
                 <a:defRPr/>
               </a:pPr>
-              <a:t>2018/2/5</a:t>
+              <a:t>2019/7/16</a:t>
             </a:fld>
             <a:endParaRPr lang="zh-CN" altLang="en-US"/>
           </a:p>
@@ -2436,7 +2432,7 @@
           <a:graphicData uri="http://schemas.openxmlformats.org/presentationml/2006/ole">
             <mc:AlternateContent xmlns:mc="http://schemas.openxmlformats.org/markup-compatibility/2006">
               <mc:Choice xmlns:v="urn:schemas-microsoft-com:vml" Requires="v">
-                <p:oleObj spid="_x0000_s85062" r:id="rId4" imgW="6824520" imgH="1076040" progId="">
+                <p:oleObj spid="_x0000_s85063" r:id="rId4" imgW="6824520" imgH="1076040" progId="">
                   <p:embed/>
                 </p:oleObj>
               </mc:Choice>
@@ -2884,7 +2880,7 @@
               <a:pPr>
                 <a:defRPr/>
               </a:pPr>
-              <a:t>2018/2/5</a:t>
+              <a:t>2019/7/16</a:t>
             </a:fld>
             <a:endParaRPr lang="zh-CN" altLang="en-US"/>
           </a:p>
@@ -3089,7 +3085,7 @@
               <a:pPr>
                 <a:defRPr/>
               </a:pPr>
-              <a:t>2018/2/5</a:t>
+              <a:t>2019/7/16</a:t>
             </a:fld>
             <a:endParaRPr lang="zh-CN" altLang="en-US"/>
           </a:p>
@@ -3254,7 +3250,7 @@
           <a:graphicData uri="http://schemas.openxmlformats.org/presentationml/2006/ole">
             <mc:AlternateContent xmlns:mc="http://schemas.openxmlformats.org/markup-compatibility/2006">
               <mc:Choice xmlns:v="urn:schemas-microsoft-com:vml" Requires="v">
-                <p:oleObj spid="_x0000_s90182" r:id="rId4" imgW="6824520" imgH="1076040" progId="">
+                <p:oleObj spid="_x0000_s90183" r:id="rId4" imgW="6824520" imgH="1076040" progId="">
                   <p:embed/>
                 </p:oleObj>
               </mc:Choice>
@@ -3806,7 +3802,7 @@
           <a:graphicData uri="http://schemas.openxmlformats.org/presentationml/2006/ole">
             <mc:AlternateContent xmlns:mc="http://schemas.openxmlformats.org/markup-compatibility/2006">
               <mc:Choice xmlns:v="urn:schemas-microsoft-com:vml" Requires="v">
-                <p:oleObj spid="_x0000_s86086" r:id="rId4" imgW="6824520" imgH="1076040" progId="">
+                <p:oleObj spid="_x0000_s86087" r:id="rId4" imgW="6824520" imgH="1076040" progId="">
                   <p:embed/>
                 </p:oleObj>
               </mc:Choice>
@@ -4347,7 +4343,7 @@
           <a:graphicData uri="http://schemas.openxmlformats.org/presentationml/2006/ole">
             <mc:AlternateContent xmlns:mc="http://schemas.openxmlformats.org/markup-compatibility/2006">
               <mc:Choice xmlns:v="urn:schemas-microsoft-com:vml" Requires="v">
-                <p:oleObj spid="_x0000_s87110" r:id="rId4" imgW="6824520" imgH="1076040" progId="">
+                <p:oleObj spid="_x0000_s87111" r:id="rId4" imgW="6824520" imgH="1076040" progId="">
                   <p:embed/>
                 </p:oleObj>
               </mc:Choice>
@@ -4872,7 +4868,7 @@
           <a:graphicData uri="http://schemas.openxmlformats.org/presentationml/2006/ole">
             <mc:AlternateContent xmlns:mc="http://schemas.openxmlformats.org/markup-compatibility/2006">
               <mc:Choice xmlns:v="urn:schemas-microsoft-com:vml" Requires="v">
-                <p:oleObj spid="_x0000_s88134" r:id="rId4" imgW="6824520" imgH="1076040" progId="">
+                <p:oleObj spid="_x0000_s88135" r:id="rId4" imgW="6824520" imgH="1076040" progId="">
                   <p:embed/>
                 </p:oleObj>
               </mc:Choice>
@@ -5411,7 +5407,7 @@
               <a:pPr>
                 <a:defRPr/>
               </a:pPr>
-              <a:t>2018/2/5</a:t>
+              <a:t>2019/7/16</a:t>
             </a:fld>
             <a:endParaRPr lang="zh-CN" altLang="en-US"/>
           </a:p>
@@ -5857,7 +5853,7 @@
               <a:pPr>
                 <a:defRPr/>
               </a:pPr>
-              <a:t>2018/2/5</a:t>
+              <a:t>2019/7/16</a:t>
             </a:fld>
             <a:endParaRPr lang="zh-CN" altLang="en-US"/>
           </a:p>
@@ -6022,7 +6018,7 @@
           <a:graphicData uri="http://schemas.openxmlformats.org/presentationml/2006/ole">
             <mc:AlternateContent xmlns:mc="http://schemas.openxmlformats.org/markup-compatibility/2006">
               <mc:Choice xmlns:v="urn:schemas-microsoft-com:vml" Requires="v">
-                <p:oleObj spid="_x0000_s89158" r:id="rId4" imgW="6824520" imgH="1076040" progId="">
+                <p:oleObj spid="_x0000_s89159" r:id="rId4" imgW="6824520" imgH="1076040" progId="">
                   <p:embed/>
                 </p:oleObj>
               </mc:Choice>
@@ -6393,7 +6389,7 @@
               <a:pPr>
                 <a:defRPr/>
               </a:pPr>
-              <a:t>2018/2/5</a:t>
+              <a:t>2019/7/16</a:t>
             </a:fld>
             <a:endParaRPr lang="zh-CN" altLang="en-US"/>
           </a:p>
@@ -6515,7 +6511,7 @@
               <a:pPr>
                 <a:defRPr/>
               </a:pPr>
-              <a:t>2018/2/5</a:t>
+              <a:t>2019/7/16</a:t>
             </a:fld>
             <a:endParaRPr lang="zh-CN" altLang="en-US"/>
           </a:p>
@@ -6817,7 +6813,7 @@
               <a:pPr>
                 <a:defRPr/>
               </a:pPr>
-              <a:t>2018/2/5</a:t>
+              <a:t>2019/7/16</a:t>
             </a:fld>
             <a:endParaRPr lang="zh-CN" altLang="en-US"/>
           </a:p>
@@ -7099,7 +7095,7 @@
               <a:pPr>
                 <a:defRPr/>
               </a:pPr>
-              <a:t>2018/2/5</a:t>
+              <a:t>2019/7/16</a:t>
             </a:fld>
             <a:endParaRPr lang="zh-CN" altLang="en-US"/>
           </a:p>
@@ -7446,7 +7442,7 @@
               <a:pPr>
                 <a:defRPr/>
               </a:pPr>
-              <a:t>2018/2/5</a:t>
+              <a:t>2019/7/16</a:t>
             </a:fld>
             <a:endParaRPr lang="zh-CN" altLang="en-US"/>
           </a:p>
@@ -7566,7 +7562,7 @@
           <a:graphicData uri="http://schemas.openxmlformats.org/presentationml/2006/ole">
             <mc:AlternateContent xmlns:mc="http://schemas.openxmlformats.org/markup-compatibility/2006">
               <mc:Choice xmlns:v="urn:schemas-microsoft-com:vml" Requires="v">
-                <p:oleObj spid="_x0000_s1102" r:id="rId16" imgW="6824520" imgH="1076040" progId="">
+                <p:oleObj spid="_x0000_s1103" r:id="rId16" imgW="6824520" imgH="1076040" progId="">
                   <p:embed/>
                 </p:oleObj>
               </mc:Choice>
@@ -11088,8 +11084,13 @@
             </a:r>
             <a:r>
               <a:rPr kumimoji="1" lang="zh-CN" altLang="en-US" dirty="0"/>
-              <a:t>”提供了可能。</a:t>
-            </a:r>
+              <a:t>”提供了</a:t>
+            </a:r>
+            <a:r>
+              <a:rPr kumimoji="1" lang="zh-CN" altLang="en-US"/>
+              <a:t>可能。 </a:t>
+            </a:r>
+            <a:endParaRPr kumimoji="1" lang="zh-CN" altLang="en-US" dirty="0"/>
           </a:p>
         </p:txBody>
       </p:sp>
